--- a/fig/Electron_arch_v01.pptx
+++ b/fig/Electron_arch_v01.pptx
@@ -3339,7 +3339,7 @@
           <a:lstStyle/>
           <a:p>
             <a:r>
-              <a:rPr lang="en-US" smtClean="0"/>
+              <a:rPr lang="en-US" dirty="0" err="1" smtClean="0"/>
               <a:t>Command+Tab</a:t>
             </a:r>
             <a:endParaRPr lang="en-US" dirty="0" smtClean="0"/>
